--- a/presentation/jcarreira_presentation.pptx
+++ b/presentation/jcarreira_presentation.pptx
@@ -38,6 +38,8 @@
     <p:sldId id="283" r:id="rId35"/>
     <p:sldId id="284" r:id="rId36"/>
     <p:sldId id="285" r:id="rId37"/>
+    <p:sldId id="286" r:id="rId38"/>
+    <p:sldId id="287" r:id="rId39"/>
   </p:sldIdLst>
   <p:sldSz cx="13004800" cy="9753600"/>
   <p:notesSz cx="6858000" cy="9144000"/>
@@ -2096,8 +2098,8 @@
         </p:blipFill>
         <p:spPr>
           <a:xfrm>
-            <a:off x="1934484" y="1218902"/>
-            <a:ext cx="8763596" cy="8763596"/>
+            <a:off x="2512350" y="1761066"/>
+            <a:ext cx="7980100" cy="7980099"/>
           </a:xfrm>
           <a:prstGeom prst="rect">
             <a:avLst/>
@@ -2713,6 +2715,135 @@
             </a:pPr>
             <a:r>
               <a:rPr sz="7280"/>
+              <a:t>Users Reviews</a:t>
+            </a:r>
+          </a:p>
+        </p:txBody>
+      </p:sp>
+      <p:sp>
+        <p:nvSpPr>
+          <p:cNvPr id="92" name="Shape 92"/>
+          <p:cNvSpPr/>
+          <p:nvPr/>
+        </p:nvSpPr>
+        <p:spPr>
+          <a:xfrm>
+            <a:off x="1021596" y="8367183"/>
+            <a:ext cx="9852204" cy="647701"/>
+          </a:xfrm>
+          <a:prstGeom prst="rect">
+            <a:avLst/>
+          </a:prstGeom>
+          <a:ln w="12700">
+            <a:miter lim="400000"/>
+          </a:ln>
+          <a:extLst>
+            <a:ext uri="{C572A759-6A51-4108-AA02-DFA0A04FC94B}">
+              <ma14:wrappingTextBoxFlag xmlns:ma14="http://schemas.microsoft.com/office/mac/drawingml/2011/main" val="1"/>
+            </a:ext>
+          </a:extLst>
+        </p:spPr>
+        <p:txBody>
+          <a:bodyPr wrap="none" lIns="50800" tIns="50800" rIns="50800" bIns="50800" anchor="ctr">
+            <a:spAutoFit/>
+          </a:bodyPr>
+          <a:lstStyle>
+            <a:lvl1pPr algn="l"/>
+          </a:lstStyle>
+          <a:p>
+            <a:pPr lvl="0">
+              <a:defRPr sz="1800"/>
+            </a:pPr>
+            <a:r>
+              <a:rPr sz="3600"/>
+              <a:t>&gt; 80% of users do not review more than 5 times</a:t>
+            </a:r>
+          </a:p>
+        </p:txBody>
+      </p:sp>
+      <p:pic>
+        <p:nvPicPr>
+          <p:cNvPr id="93" name="cdf_reviews.pdf"/>
+          <p:cNvPicPr/>
+          <p:nvPr/>
+        </p:nvPicPr>
+        <p:blipFill>
+          <a:blip r:embed="rId2">
+            <a:extLst/>
+          </a:blip>
+          <a:stretch>
+            <a:fillRect/>
+          </a:stretch>
+        </p:blipFill>
+        <p:spPr>
+          <a:xfrm>
+            <a:off x="2847544" y="1540933"/>
+            <a:ext cx="6990723" cy="6990723"/>
+          </a:xfrm>
+          <a:prstGeom prst="rect">
+            <a:avLst/>
+          </a:prstGeom>
+          <a:ln w="12700">
+            <a:miter lim="400000"/>
+          </a:ln>
+        </p:spPr>
+      </p:pic>
+    </p:spTree>
+  </p:cSld>
+  <p:clrMapOvr>
+    <a:masterClrMapping/>
+  </p:clrMapOvr>
+  <p:transition spd="med" advClick="1"/>
+</p:sld>
+</file>
+
+<file path=ppt/slides/slide15.xml><?xml version="1.0" encoding="utf-8"?>
+<p:sld xmlns:a="http://schemas.openxmlformats.org/drawingml/2006/main" xmlns:r="http://schemas.openxmlformats.org/officeDocument/2006/relationships" xmlns:p="http://schemas.openxmlformats.org/presentationml/2006/main" showMasterSp="1" showMasterPhAnim="1">
+  <p:cSld>
+    <p:spTree>
+      <p:nvGrpSpPr>
+        <p:cNvPr id="1" name=""/>
+        <p:cNvGrpSpPr/>
+        <p:nvPr/>
+      </p:nvGrpSpPr>
+      <p:grpSpPr>
+        <a:xfrm>
+          <a:off x="0" y="0"/>
+          <a:ext cx="0" cy="0"/>
+          <a:chOff x="0" y="0"/>
+          <a:chExt cx="0" cy="0"/>
+        </a:xfrm>
+      </p:grpSpPr>
+      <p:sp>
+        <p:nvSpPr>
+          <p:cNvPr id="95" name="Shape 95"/>
+          <p:cNvSpPr/>
+          <p:nvPr>
+            <p:ph type="title"/>
+          </p:nvPr>
+        </p:nvSpPr>
+        <p:spPr>
+          <a:xfrm>
+            <a:off x="1270000" y="546100"/>
+            <a:ext cx="10464800" cy="1220838"/>
+          </a:xfrm>
+          <a:prstGeom prst="rect">
+            <a:avLst/>
+          </a:prstGeom>
+        </p:spPr>
+        <p:txBody>
+          <a:bodyPr/>
+          <a:lstStyle>
+            <a:lvl1pPr defTabSz="531622">
+              <a:defRPr sz="7280"/>
+            </a:lvl1pPr>
+          </a:lstStyle>
+          <a:p>
+            <a:pPr lvl="0">
+              <a:defRPr sz="1800"/>
+            </a:pPr>
+            <a:r>
+              <a:rPr sz="7280"/>
               <a:t>Products - Questions</a:t>
             </a:r>
           </a:p>
@@ -2720,7 +2851,7 @@
       </p:sp>
       <p:graphicFrame>
         <p:nvGraphicFramePr>
-          <p:cNvPr id="92" name="Table 92"/>
+          <p:cNvPr id="96" name="Table 96"/>
           <p:cNvGraphicFramePr/>
           <p:nvPr/>
         </p:nvGraphicFramePr>
@@ -3033,163 +3164,6 @@
 </p:sld>
 </file>
 
-<file path=ppt/slides/slide15.xml><?xml version="1.0" encoding="utf-8"?>
-<p:sld xmlns:a="http://schemas.openxmlformats.org/drawingml/2006/main" xmlns:r="http://schemas.openxmlformats.org/officeDocument/2006/relationships" xmlns:p="http://schemas.openxmlformats.org/presentationml/2006/main" showMasterSp="1" showMasterPhAnim="1">
-  <p:cSld>
-    <p:spTree>
-      <p:nvGrpSpPr>
-        <p:cNvPr id="1" name=""/>
-        <p:cNvGrpSpPr/>
-        <p:nvPr/>
-      </p:nvGrpSpPr>
-      <p:grpSpPr>
-        <a:xfrm>
-          <a:off x="0" y="0"/>
-          <a:ext cx="0" cy="0"/>
-          <a:chOff x="0" y="0"/>
-          <a:chExt cx="0" cy="0"/>
-        </a:xfrm>
-      </p:grpSpPr>
-      <p:sp>
-        <p:nvSpPr>
-          <p:cNvPr id="94" name="Shape 94"/>
-          <p:cNvSpPr/>
-          <p:nvPr>
-            <p:ph type="title"/>
-          </p:nvPr>
-        </p:nvSpPr>
-        <p:spPr>
-          <a:xfrm>
-            <a:off x="1270000" y="546100"/>
-            <a:ext cx="10464800" cy="1220838"/>
-          </a:xfrm>
-          <a:prstGeom prst="rect">
-            <a:avLst/>
-          </a:prstGeom>
-        </p:spPr>
-        <p:txBody>
-          <a:bodyPr/>
-          <a:lstStyle>
-            <a:lvl1pPr defTabSz="490727">
-              <a:defRPr sz="6719"/>
-            </a:lvl1pPr>
-          </a:lstStyle>
-          <a:p>
-            <a:pPr lvl="0">
-              <a:defRPr sz="1800"/>
-            </a:pPr>
-            <a:r>
-              <a:rPr sz="6719"/>
-              <a:t>Products - Life Expectancy</a:t>
-            </a:r>
-          </a:p>
-        </p:txBody>
-      </p:sp>
-      <p:sp>
-        <p:nvSpPr>
-          <p:cNvPr id="95" name="Shape 95"/>
-          <p:cNvSpPr/>
-          <p:nvPr>
-            <p:ph type="body" idx="1"/>
-          </p:nvPr>
-        </p:nvSpPr>
-        <p:spPr>
-          <a:xfrm>
-            <a:off x="546100" y="2587178"/>
-            <a:ext cx="9784557" cy="6027044"/>
-          </a:xfrm>
-          <a:prstGeom prst="rect">
-            <a:avLst/>
-          </a:prstGeom>
-        </p:spPr>
-        <p:txBody>
-          <a:bodyPr/>
-          <a:lstStyle/>
-          <a:p>
-            <a:pPr lvl="0" marL="395111" indent="-395111" algn="l">
-              <a:lnSpc>
-                <a:spcPct val="150000"/>
-              </a:lnSpc>
-              <a:buSzPct val="75000"/>
-              <a:buChar char="•"/>
-              <a:defRPr sz="1800"/>
-            </a:pPr>
-            <a:r>
-              <a:rPr sz="3200"/>
-              <a:t>Life expectancy: average number of years of life</a:t>
-            </a:r>
-            <a:endParaRPr sz="3200"/>
-          </a:p>
-          <a:p>
-            <a:pPr lvl="0" marL="395111" indent="-395111" algn="l">
-              <a:lnSpc>
-                <a:spcPct val="150000"/>
-              </a:lnSpc>
-              <a:buSzPct val="75000"/>
-              <a:buChar char="•"/>
-              <a:defRPr sz="1800"/>
-            </a:pPr>
-            <a:r>
-              <a:rPr sz="3200"/>
-              <a:t>Considered only products with </a:t>
-            </a:r>
-            <a:endParaRPr sz="3200"/>
-          </a:p>
-          <a:p>
-            <a:pPr lvl="1" marL="839611" indent="-395111" algn="l">
-              <a:lnSpc>
-                <a:spcPct val="150000"/>
-              </a:lnSpc>
-              <a:buSzPct val="75000"/>
-              <a:buChar char="•"/>
-              <a:defRPr sz="1800"/>
-            </a:pPr>
-            <a:r>
-              <a:rPr sz="3200"/>
-              <a:t>&gt; 50 reviews (frequently reviewed products)</a:t>
-            </a:r>
-            <a:endParaRPr sz="3200"/>
-          </a:p>
-          <a:p>
-            <a:pPr lvl="1" marL="839611" indent="-395111" algn="l">
-              <a:lnSpc>
-                <a:spcPct val="150000"/>
-              </a:lnSpc>
-              <a:buSzPct val="75000"/>
-              <a:buChar char="•"/>
-              <a:defRPr sz="1800"/>
-            </a:pPr>
-            <a:r>
-              <a:rPr sz="3200"/>
-              <a:t>last review before 2010 (no review likely means the product ‘died’)</a:t>
-            </a:r>
-            <a:endParaRPr sz="3200"/>
-          </a:p>
-          <a:p>
-            <a:pPr lvl="0" marL="395111" indent="-395111" algn="l">
-              <a:lnSpc>
-                <a:spcPct val="150000"/>
-              </a:lnSpc>
-              <a:buSzPct val="75000"/>
-              <a:buChar char="•"/>
-              <a:defRPr sz="1800"/>
-            </a:pPr>
-            <a:r>
-              <a:rPr sz="3200"/>
-              <a:t>This filters down to only 4K products</a:t>
-            </a:r>
-          </a:p>
-        </p:txBody>
-      </p:sp>
-    </p:spTree>
-  </p:cSld>
-  <p:clrMapOvr>
-    <a:masterClrMapping/>
-  </p:clrMapOvr>
-  <p:transition spd="med" advClick="1"/>
-</p:sld>
-</file>
-
 <file path=ppt/slides/slide16.xml><?xml version="1.0" encoding="utf-8"?>
 <p:sld xmlns:a="http://schemas.openxmlformats.org/drawingml/2006/main" xmlns:r="http://schemas.openxmlformats.org/officeDocument/2006/relationships" xmlns:p="http://schemas.openxmlformats.org/presentationml/2006/main" showMasterSp="1" showMasterPhAnim="1">
   <p:cSld>
@@ -3209,7 +3183,7 @@
       </p:grpSpPr>
       <p:sp>
         <p:nvSpPr>
-          <p:cNvPr id="97" name="Shape 97"/>
+          <p:cNvPr id="98" name="Shape 98"/>
           <p:cNvSpPr/>
           <p:nvPr>
             <p:ph type="title"/>
@@ -3227,8 +3201,8 @@
         <p:txBody>
           <a:bodyPr/>
           <a:lstStyle>
-            <a:lvl1pPr defTabSz="531622">
-              <a:defRPr sz="7280"/>
+            <a:lvl1pPr defTabSz="490727">
+              <a:defRPr sz="6719"/>
             </a:lvl1pPr>
           </a:lstStyle>
           <a:p>
@@ -3236,66 +3210,108 @@
               <a:defRPr sz="1800"/>
             </a:pPr>
             <a:r>
-              <a:rPr sz="7280"/>
-              <a:t>Products - Life Span</a:t>
+              <a:rPr sz="6719"/>
+              <a:t>Products - Life Expectancy</a:t>
             </a:r>
           </a:p>
         </p:txBody>
       </p:sp>
-      <p:pic>
-        <p:nvPicPr>
-          <p:cNvPr id="98" name="lifetime_data.pdf"/>
-          <p:cNvPicPr/>
-          <p:nvPr/>
-        </p:nvPicPr>
-        <p:blipFill>
-          <a:blip r:embed="rId2">
-            <a:extLst/>
-          </a:blip>
-          <a:stretch>
-            <a:fillRect/>
-          </a:stretch>
-        </p:blipFill>
-        <p:spPr>
-          <a:xfrm>
-            <a:off x="287866" y="1676400"/>
-            <a:ext cx="6523932" cy="6523931"/>
-          </a:xfrm>
-          <a:prstGeom prst="rect">
-            <a:avLst/>
-          </a:prstGeom>
-          <a:ln w="12700">
-            <a:miter lim="400000"/>
-          </a:ln>
-        </p:spPr>
-      </p:pic>
-      <p:pic>
-        <p:nvPicPr>
-          <p:cNvPr id="99" name="cdf_lifespan.pdf"/>
-          <p:cNvPicPr/>
-          <p:nvPr/>
-        </p:nvPicPr>
-        <p:blipFill>
-          <a:blip r:embed="rId3">
-            <a:extLst/>
-          </a:blip>
-          <a:stretch>
-            <a:fillRect/>
-          </a:stretch>
-        </p:blipFill>
-        <p:spPr>
-          <a:xfrm>
-            <a:off x="6350000" y="1676400"/>
-            <a:ext cx="6400800" cy="6400800"/>
-          </a:xfrm>
-          <a:prstGeom prst="rect">
-            <a:avLst/>
-          </a:prstGeom>
-          <a:ln w="12700">
-            <a:miter lim="400000"/>
-          </a:ln>
-        </p:spPr>
-      </p:pic>
+      <p:sp>
+        <p:nvSpPr>
+          <p:cNvPr id="99" name="Shape 99"/>
+          <p:cNvSpPr/>
+          <p:nvPr>
+            <p:ph type="body" idx="1"/>
+          </p:nvPr>
+        </p:nvSpPr>
+        <p:spPr>
+          <a:xfrm>
+            <a:off x="546100" y="2587178"/>
+            <a:ext cx="9784557" cy="6027044"/>
+          </a:xfrm>
+          <a:prstGeom prst="rect">
+            <a:avLst/>
+          </a:prstGeom>
+        </p:spPr>
+        <p:txBody>
+          <a:bodyPr/>
+          <a:lstStyle/>
+          <a:p>
+            <a:pPr lvl="0" marL="395111" indent="-395111" algn="l">
+              <a:lnSpc>
+                <a:spcPct val="150000"/>
+              </a:lnSpc>
+              <a:buSzPct val="75000"/>
+              <a:buChar char="•"/>
+              <a:defRPr sz="1800"/>
+            </a:pPr>
+            <a:r>
+              <a:rPr sz="3200"/>
+              <a:t>Life expectancy: average number of years of life</a:t>
+            </a:r>
+            <a:endParaRPr sz="3200"/>
+          </a:p>
+          <a:p>
+            <a:pPr lvl="0" marL="395111" indent="-395111" algn="l">
+              <a:lnSpc>
+                <a:spcPct val="150000"/>
+              </a:lnSpc>
+              <a:buSzPct val="75000"/>
+              <a:buChar char="•"/>
+              <a:defRPr sz="1800"/>
+            </a:pPr>
+            <a:r>
+              <a:rPr sz="3200"/>
+              <a:t>Considered only products with </a:t>
+            </a:r>
+            <a:endParaRPr sz="3200"/>
+          </a:p>
+          <a:p>
+            <a:pPr lvl="1" marL="839611" indent="-395111" algn="l">
+              <a:lnSpc>
+                <a:spcPct val="150000"/>
+              </a:lnSpc>
+              <a:buSzPct val="75000"/>
+              <a:buChar char="•"/>
+              <a:defRPr sz="1800"/>
+            </a:pPr>
+            <a:r>
+              <a:rPr sz="3200"/>
+              <a:t>&gt; 50 reviews (frequently reviewed products)</a:t>
+            </a:r>
+            <a:endParaRPr sz="3200"/>
+          </a:p>
+          <a:p>
+            <a:pPr lvl="1" marL="839611" indent="-395111" algn="l">
+              <a:lnSpc>
+                <a:spcPct val="150000"/>
+              </a:lnSpc>
+              <a:buSzPct val="75000"/>
+              <a:buChar char="•"/>
+              <a:defRPr sz="1800"/>
+            </a:pPr>
+            <a:r>
+              <a:rPr sz="3200"/>
+              <a:t>last review before 2010 (no review likely means the product ‘died’)</a:t>
+            </a:r>
+            <a:endParaRPr sz="3200"/>
+          </a:p>
+          <a:p>
+            <a:pPr lvl="0" marL="395111" indent="-395111" algn="l">
+              <a:lnSpc>
+                <a:spcPct val="150000"/>
+              </a:lnSpc>
+              <a:buSzPct val="75000"/>
+              <a:buChar char="•"/>
+              <a:defRPr sz="1800"/>
+            </a:pPr>
+            <a:r>
+              <a:rPr sz="3200"/>
+              <a:t>This filters reviews down to 4K products</a:t>
+            </a:r>
+          </a:p>
+        </p:txBody>
+      </p:sp>
     </p:spTree>
   </p:cSld>
   <p:clrMapOvr>
@@ -3342,6 +3358,248 @@
         <p:txBody>
           <a:bodyPr/>
           <a:lstStyle>
+            <a:lvl1pPr defTabSz="531622">
+              <a:defRPr sz="7280"/>
+            </a:lvl1pPr>
+          </a:lstStyle>
+          <a:p>
+            <a:pPr lvl="0">
+              <a:defRPr sz="1800"/>
+            </a:pPr>
+            <a:r>
+              <a:rPr sz="7280"/>
+              <a:t>Products - Life Span</a:t>
+            </a:r>
+          </a:p>
+        </p:txBody>
+      </p:sp>
+      <p:pic>
+        <p:nvPicPr>
+          <p:cNvPr id="102" name="lifetime_data.pdf"/>
+          <p:cNvPicPr/>
+          <p:nvPr/>
+        </p:nvPicPr>
+        <p:blipFill>
+          <a:blip r:embed="rId2">
+            <a:extLst/>
+          </a:blip>
+          <a:stretch>
+            <a:fillRect/>
+          </a:stretch>
+        </p:blipFill>
+        <p:spPr>
+          <a:xfrm>
+            <a:off x="287866" y="1676400"/>
+            <a:ext cx="6523932" cy="6523931"/>
+          </a:xfrm>
+          <a:prstGeom prst="rect">
+            <a:avLst/>
+          </a:prstGeom>
+          <a:ln w="12700">
+            <a:miter lim="400000"/>
+          </a:ln>
+        </p:spPr>
+      </p:pic>
+      <p:pic>
+        <p:nvPicPr>
+          <p:cNvPr id="103" name="cdf_lifespan.pdf"/>
+          <p:cNvPicPr/>
+          <p:nvPr/>
+        </p:nvPicPr>
+        <p:blipFill>
+          <a:blip r:embed="rId3">
+            <a:extLst/>
+          </a:blip>
+          <a:stretch>
+            <a:fillRect/>
+          </a:stretch>
+        </p:blipFill>
+        <p:spPr>
+          <a:xfrm>
+            <a:off x="6350000" y="1676400"/>
+            <a:ext cx="6400800" cy="6400800"/>
+          </a:xfrm>
+          <a:prstGeom prst="rect">
+            <a:avLst/>
+          </a:prstGeom>
+          <a:ln w="12700">
+            <a:miter lim="400000"/>
+          </a:ln>
+        </p:spPr>
+      </p:pic>
+    </p:spTree>
+  </p:cSld>
+  <p:clrMapOvr>
+    <a:masterClrMapping/>
+  </p:clrMapOvr>
+  <p:transition spd="med" advClick="1"/>
+</p:sld>
+</file>
+
+<file path=ppt/slides/slide18.xml><?xml version="1.0" encoding="utf-8"?>
+<p:sld xmlns:a="http://schemas.openxmlformats.org/drawingml/2006/main" xmlns:r="http://schemas.openxmlformats.org/officeDocument/2006/relationships" xmlns:p="http://schemas.openxmlformats.org/presentationml/2006/main" showMasterSp="1" showMasterPhAnim="1">
+  <p:cSld>
+    <p:spTree>
+      <p:nvGrpSpPr>
+        <p:cNvPr id="1" name=""/>
+        <p:cNvGrpSpPr/>
+        <p:nvPr/>
+      </p:nvGrpSpPr>
+      <p:grpSpPr>
+        <a:xfrm>
+          <a:off x="0" y="0"/>
+          <a:ext cx="0" cy="0"/>
+          <a:chOff x="0" y="0"/>
+          <a:chExt cx="0" cy="0"/>
+        </a:xfrm>
+      </p:grpSpPr>
+      <p:sp>
+        <p:nvSpPr>
+          <p:cNvPr id="105" name="Shape 105"/>
+          <p:cNvSpPr/>
+          <p:nvPr>
+            <p:ph type="title"/>
+          </p:nvPr>
+        </p:nvSpPr>
+        <p:spPr>
+          <a:xfrm>
+            <a:off x="1270000" y="546100"/>
+            <a:ext cx="10464800" cy="1220838"/>
+          </a:xfrm>
+          <a:prstGeom prst="rect">
+            <a:avLst/>
+          </a:prstGeom>
+        </p:spPr>
+        <p:txBody>
+          <a:bodyPr/>
+          <a:lstStyle>
+            <a:lvl1pPr defTabSz="356362">
+              <a:defRPr sz="4880"/>
+            </a:lvl1pPr>
+          </a:lstStyle>
+          <a:p>
+            <a:pPr lvl="0">
+              <a:defRPr sz="1800"/>
+            </a:pPr>
+            <a:r>
+              <a:rPr sz="4880"/>
+              <a:t>Products - Scores vs Life Expectancy</a:t>
+            </a:r>
+          </a:p>
+        </p:txBody>
+      </p:sp>
+      <p:sp>
+        <p:nvSpPr>
+          <p:cNvPr id="106" name="Shape 106"/>
+          <p:cNvSpPr/>
+          <p:nvPr/>
+        </p:nvSpPr>
+        <p:spPr>
+          <a:xfrm>
+            <a:off x="670813" y="8089900"/>
+            <a:ext cx="11663173" cy="1193801"/>
+          </a:xfrm>
+          <a:prstGeom prst="rect">
+            <a:avLst/>
+          </a:prstGeom>
+          <a:ln w="12700">
+            <a:miter lim="400000"/>
+          </a:ln>
+          <a:extLst>
+            <a:ext uri="{C572A759-6A51-4108-AA02-DFA0A04FC94B}">
+              <ma14:wrappingTextBoxFlag xmlns:ma14="http://schemas.microsoft.com/office/mac/drawingml/2011/main" val="1"/>
+            </a:ext>
+          </a:extLst>
+        </p:spPr>
+        <p:txBody>
+          <a:bodyPr wrap="none" lIns="50800" tIns="50800" rIns="50800" bIns="50800" anchor="ctr">
+            <a:spAutoFit/>
+          </a:bodyPr>
+          <a:lstStyle/>
+          <a:p>
+            <a:pPr lvl="0">
+              <a:defRPr sz="1800"/>
+            </a:pPr>
+            <a:r>
+              <a:rPr sz="3600"/>
+              <a:t>Correlation coefficient = 0.22 -&gt; Scores do not affect life expectancy</a:t>
+            </a:r>
+          </a:p>
+        </p:txBody>
+      </p:sp>
+      <p:pic>
+        <p:nvPicPr>
+          <p:cNvPr id="107" name="lifetime_score.pdf"/>
+          <p:cNvPicPr/>
+          <p:nvPr/>
+        </p:nvPicPr>
+        <p:blipFill>
+          <a:blip r:embed="rId2">
+            <a:extLst/>
+          </a:blip>
+          <a:stretch>
+            <a:fillRect/>
+          </a:stretch>
+        </p:blipFill>
+        <p:spPr>
+          <a:xfrm>
+            <a:off x="2983689" y="1192179"/>
+            <a:ext cx="7037422" cy="7037421"/>
+          </a:xfrm>
+          <a:prstGeom prst="rect">
+            <a:avLst/>
+          </a:prstGeom>
+          <a:ln w="12700">
+            <a:miter lim="400000"/>
+          </a:ln>
+        </p:spPr>
+      </p:pic>
+    </p:spTree>
+  </p:cSld>
+  <p:clrMapOvr>
+    <a:masterClrMapping/>
+  </p:clrMapOvr>
+  <p:transition spd="med" advClick="1"/>
+</p:sld>
+</file>
+
+<file path=ppt/slides/slide19.xml><?xml version="1.0" encoding="utf-8"?>
+<p:sld xmlns:a="http://schemas.openxmlformats.org/drawingml/2006/main" xmlns:r="http://schemas.openxmlformats.org/officeDocument/2006/relationships" xmlns:p="http://schemas.openxmlformats.org/presentationml/2006/main" showMasterSp="1" showMasterPhAnim="1">
+  <p:cSld>
+    <p:spTree>
+      <p:nvGrpSpPr>
+        <p:cNvPr id="1" name=""/>
+        <p:cNvGrpSpPr/>
+        <p:nvPr/>
+      </p:nvGrpSpPr>
+      <p:grpSpPr>
+        <a:xfrm>
+          <a:off x="0" y="0"/>
+          <a:ext cx="0" cy="0"/>
+          <a:chOff x="0" y="0"/>
+          <a:chExt cx="0" cy="0"/>
+        </a:xfrm>
+      </p:grpSpPr>
+      <p:sp>
+        <p:nvSpPr>
+          <p:cNvPr id="109" name="Shape 109"/>
+          <p:cNvSpPr/>
+          <p:nvPr>
+            <p:ph type="title"/>
+          </p:nvPr>
+        </p:nvSpPr>
+        <p:spPr>
+          <a:xfrm>
+            <a:off x="1270000" y="546100"/>
+            <a:ext cx="10464800" cy="1220838"/>
+          </a:xfrm>
+          <a:prstGeom prst="rect">
+            <a:avLst/>
+          </a:prstGeom>
+        </p:spPr>
+        <p:txBody>
+          <a:bodyPr/>
+          <a:lstStyle>
             <a:lvl1pPr defTabSz="350520">
               <a:defRPr sz="4800"/>
             </a:lvl1pPr>
@@ -3359,7 +3617,7 @@
       </p:sp>
       <p:sp>
         <p:nvSpPr>
-          <p:cNvPr id="102" name="Shape 102"/>
+          <p:cNvPr id="110" name="Shape 110"/>
           <p:cNvSpPr/>
           <p:nvPr/>
         </p:nvSpPr>
@@ -3450,7 +3708,7 @@
       </p:sp>
       <p:sp>
         <p:nvSpPr>
-          <p:cNvPr id="103" name="Shape 103"/>
+          <p:cNvPr id="111" name="Shape 111"/>
           <p:cNvSpPr/>
           <p:nvPr/>
         </p:nvSpPr>
@@ -3541,7 +3799,7 @@
       </p:sp>
       <p:sp>
         <p:nvSpPr>
-          <p:cNvPr id="104" name="Shape 104"/>
+          <p:cNvPr id="112" name="Shape 112"/>
           <p:cNvSpPr/>
           <p:nvPr/>
         </p:nvSpPr>
@@ -3632,7 +3890,7 @@
       </p:sp>
       <p:sp>
         <p:nvSpPr>
-          <p:cNvPr id="105" name="Shape 105"/>
+          <p:cNvPr id="113" name="Shape 113"/>
           <p:cNvSpPr/>
           <p:nvPr/>
         </p:nvSpPr>
@@ -3681,7 +3939,7 @@
       </p:sp>
       <p:sp>
         <p:nvSpPr>
-          <p:cNvPr id="106" name="Shape 106"/>
+          <p:cNvPr id="114" name="Shape 114"/>
           <p:cNvSpPr/>
           <p:nvPr/>
         </p:nvSpPr>
@@ -3724,7 +3982,7 @@
       </p:sp>
       <p:sp>
         <p:nvSpPr>
-          <p:cNvPr id="107" name="Shape 107"/>
+          <p:cNvPr id="115" name="Shape 115"/>
           <p:cNvSpPr/>
           <p:nvPr/>
         </p:nvSpPr>
@@ -3767,7 +4025,7 @@
       </p:sp>
       <p:sp>
         <p:nvSpPr>
-          <p:cNvPr id="108" name="Shape 108"/>
+          <p:cNvPr id="116" name="Shape 116"/>
           <p:cNvSpPr/>
           <p:nvPr/>
         </p:nvSpPr>
@@ -3858,7 +4116,7 @@
       </p:sp>
       <p:sp>
         <p:nvSpPr>
-          <p:cNvPr id="109" name="Shape 109"/>
+          <p:cNvPr id="117" name="Shape 117"/>
           <p:cNvSpPr/>
           <p:nvPr/>
         </p:nvSpPr>
@@ -3901,7 +4159,7 @@
       </p:sp>
       <p:sp>
         <p:nvSpPr>
-          <p:cNvPr id="110" name="Shape 110"/>
+          <p:cNvPr id="118" name="Shape 118"/>
           <p:cNvSpPr/>
           <p:nvPr/>
         </p:nvSpPr>
@@ -3992,7 +4250,7 @@
       </p:sp>
       <p:sp>
         <p:nvSpPr>
-          <p:cNvPr id="111" name="Shape 111"/>
+          <p:cNvPr id="119" name="Shape 119"/>
           <p:cNvSpPr/>
           <p:nvPr/>
         </p:nvSpPr>
@@ -4035,7 +4293,7 @@
       </p:sp>
       <p:sp>
         <p:nvSpPr>
-          <p:cNvPr id="112" name="Shape 112"/>
+          <p:cNvPr id="120" name="Shape 120"/>
           <p:cNvSpPr/>
           <p:nvPr/>
         </p:nvSpPr>
@@ -4126,7 +4384,7 @@
       </p:sp>
       <p:sp>
         <p:nvSpPr>
-          <p:cNvPr id="113" name="Shape 113"/>
+          <p:cNvPr id="121" name="Shape 121"/>
           <p:cNvSpPr/>
           <p:nvPr/>
         </p:nvSpPr>
@@ -4169,7 +4427,7 @@
       </p:sp>
       <p:sp>
         <p:nvSpPr>
-          <p:cNvPr id="114" name="Shape 114"/>
+          <p:cNvPr id="122" name="Shape 122"/>
           <p:cNvSpPr/>
           <p:nvPr/>
         </p:nvSpPr>
@@ -4213,7 +4471,7 @@
       </p:sp>
       <p:pic>
         <p:nvPicPr>
-          <p:cNvPr id="115" name="life_expectancy_category_boxplot.pdf"/>
+          <p:cNvPr id="123" name="life_expectancy_category_boxplot.pdf"/>
           <p:cNvPicPr/>
           <p:nvPr/>
         </p:nvPicPr>
@@ -4238,275 +4496,6 @@
           </a:ln>
         </p:spPr>
       </p:pic>
-    </p:spTree>
-  </p:cSld>
-  <p:clrMapOvr>
-    <a:masterClrMapping/>
-  </p:clrMapOvr>
-  <p:transition spd="med" advClick="1"/>
-</p:sld>
-</file>
-
-<file path=ppt/slides/slide18.xml><?xml version="1.0" encoding="utf-8"?>
-<p:sld xmlns:a="http://schemas.openxmlformats.org/drawingml/2006/main" xmlns:r="http://schemas.openxmlformats.org/officeDocument/2006/relationships" xmlns:p="http://schemas.openxmlformats.org/presentationml/2006/main" showMasterSp="1" showMasterPhAnim="1">
-  <p:cSld>
-    <p:spTree>
-      <p:nvGrpSpPr>
-        <p:cNvPr id="1" name=""/>
-        <p:cNvGrpSpPr/>
-        <p:nvPr/>
-      </p:nvGrpSpPr>
-      <p:grpSpPr>
-        <a:xfrm>
-          <a:off x="0" y="0"/>
-          <a:ext cx="0" cy="0"/>
-          <a:chOff x="0" y="0"/>
-          <a:chExt cx="0" cy="0"/>
-        </a:xfrm>
-      </p:grpSpPr>
-      <p:sp>
-        <p:nvSpPr>
-          <p:cNvPr id="117" name="Shape 117"/>
-          <p:cNvSpPr/>
-          <p:nvPr>
-            <p:ph type="title"/>
-          </p:nvPr>
-        </p:nvSpPr>
-        <p:spPr>
-          <a:xfrm>
-            <a:off x="1270000" y="546100"/>
-            <a:ext cx="10464800" cy="1220838"/>
-          </a:xfrm>
-          <a:prstGeom prst="rect">
-            <a:avLst/>
-          </a:prstGeom>
-        </p:spPr>
-        <p:txBody>
-          <a:bodyPr/>
-          <a:lstStyle>
-            <a:lvl1pPr defTabSz="356362">
-              <a:defRPr sz="4880"/>
-            </a:lvl1pPr>
-          </a:lstStyle>
-          <a:p>
-            <a:pPr lvl="0">
-              <a:defRPr sz="1800"/>
-            </a:pPr>
-            <a:r>
-              <a:rPr sz="4880"/>
-              <a:t>Products - Scores vs Life Expectancy</a:t>
-            </a:r>
-          </a:p>
-        </p:txBody>
-      </p:sp>
-      <p:sp>
-        <p:nvSpPr>
-          <p:cNvPr id="118" name="Shape 118"/>
-          <p:cNvSpPr/>
-          <p:nvPr/>
-        </p:nvSpPr>
-        <p:spPr>
-          <a:xfrm>
-            <a:off x="670813" y="8089900"/>
-            <a:ext cx="11663173" cy="1193801"/>
-          </a:xfrm>
-          <a:prstGeom prst="rect">
-            <a:avLst/>
-          </a:prstGeom>
-          <a:ln w="12700">
-            <a:miter lim="400000"/>
-          </a:ln>
-          <a:extLst>
-            <a:ext uri="{C572A759-6A51-4108-AA02-DFA0A04FC94B}">
-              <ma14:wrappingTextBoxFlag xmlns:ma14="http://schemas.microsoft.com/office/mac/drawingml/2011/main" val="1"/>
-            </a:ext>
-          </a:extLst>
-        </p:spPr>
-        <p:txBody>
-          <a:bodyPr wrap="none" lIns="50800" tIns="50800" rIns="50800" bIns="50800" anchor="ctr">
-            <a:spAutoFit/>
-          </a:bodyPr>
-          <a:lstStyle/>
-          <a:p>
-            <a:pPr lvl="0">
-              <a:defRPr sz="1800"/>
-            </a:pPr>
-            <a:r>
-              <a:rPr sz="3600"/>
-              <a:t>Correlation coefficient = 0.22 -&gt; Scores do not affect life expectancy</a:t>
-            </a:r>
-          </a:p>
-        </p:txBody>
-      </p:sp>
-      <p:pic>
-        <p:nvPicPr>
-          <p:cNvPr id="119" name="lifetime_score.pdf"/>
-          <p:cNvPicPr/>
-          <p:nvPr/>
-        </p:nvPicPr>
-        <p:blipFill>
-          <a:blip r:embed="rId2">
-            <a:extLst/>
-          </a:blip>
-          <a:stretch>
-            <a:fillRect/>
-          </a:stretch>
-        </p:blipFill>
-        <p:spPr>
-          <a:xfrm>
-            <a:off x="2983689" y="1192179"/>
-            <a:ext cx="7037422" cy="7037421"/>
-          </a:xfrm>
-          <a:prstGeom prst="rect">
-            <a:avLst/>
-          </a:prstGeom>
-          <a:ln w="12700">
-            <a:miter lim="400000"/>
-          </a:ln>
-        </p:spPr>
-      </p:pic>
-    </p:spTree>
-  </p:cSld>
-  <p:clrMapOvr>
-    <a:masterClrMapping/>
-  </p:clrMapOvr>
-  <p:transition spd="med" advClick="1"/>
-</p:sld>
-</file>
-
-<file path=ppt/slides/slide19.xml><?xml version="1.0" encoding="utf-8"?>
-<p:sld xmlns:a="http://schemas.openxmlformats.org/drawingml/2006/main" xmlns:r="http://schemas.openxmlformats.org/officeDocument/2006/relationships" xmlns:p="http://schemas.openxmlformats.org/presentationml/2006/main" showMasterSp="1" showMasterPhAnim="1">
-  <p:cSld>
-    <p:spTree>
-      <p:nvGrpSpPr>
-        <p:cNvPr id="1" name=""/>
-        <p:cNvGrpSpPr/>
-        <p:nvPr/>
-      </p:nvGrpSpPr>
-      <p:grpSpPr>
-        <a:xfrm>
-          <a:off x="0" y="0"/>
-          <a:ext cx="0" cy="0"/>
-          <a:chOff x="0" y="0"/>
-          <a:chExt cx="0" cy="0"/>
-        </a:xfrm>
-      </p:grpSpPr>
-      <p:sp>
-        <p:nvSpPr>
-          <p:cNvPr id="121" name="Shape 121"/>
-          <p:cNvSpPr/>
-          <p:nvPr>
-            <p:ph type="title"/>
-          </p:nvPr>
-        </p:nvSpPr>
-        <p:spPr>
-          <a:xfrm>
-            <a:off x="1270000" y="546100"/>
-            <a:ext cx="10464800" cy="1220838"/>
-          </a:xfrm>
-          <a:prstGeom prst="rect">
-            <a:avLst/>
-          </a:prstGeom>
-        </p:spPr>
-        <p:txBody>
-          <a:bodyPr/>
-          <a:lstStyle>
-            <a:lvl1pPr defTabSz="531622">
-              <a:defRPr sz="7280"/>
-            </a:lvl1pPr>
-          </a:lstStyle>
-          <a:p>
-            <a:pPr lvl="0">
-              <a:defRPr sz="1800"/>
-            </a:pPr>
-            <a:r>
-              <a:rPr sz="7280"/>
-              <a:t>Reviews Decay</a:t>
-            </a:r>
-          </a:p>
-        </p:txBody>
-      </p:sp>
-      <p:sp>
-        <p:nvSpPr>
-          <p:cNvPr id="122" name="Shape 122"/>
-          <p:cNvSpPr/>
-          <p:nvPr>
-            <p:ph type="body" idx="1"/>
-          </p:nvPr>
-        </p:nvSpPr>
-        <p:spPr>
-          <a:xfrm>
-            <a:off x="546100" y="2587178"/>
-            <a:ext cx="9784557" cy="6027044"/>
-          </a:xfrm>
-          <a:prstGeom prst="rect">
-            <a:avLst/>
-          </a:prstGeom>
-        </p:spPr>
-        <p:txBody>
-          <a:bodyPr/>
-          <a:lstStyle/>
-          <a:p>
-            <a:pPr lvl="0" marL="395111" indent="-395111" algn="l">
-              <a:lnSpc>
-                <a:spcPct val="150000"/>
-              </a:lnSpc>
-              <a:buSzPct val="75000"/>
-              <a:buChar char="•"/>
-              <a:defRPr sz="1800"/>
-            </a:pPr>
-            <a:r>
-              <a:rPr sz="3200"/>
-              <a:t>Compute the average decay of review scores over the years</a:t>
-            </a:r>
-            <a:endParaRPr sz="3200"/>
-          </a:p>
-          <a:p>
-            <a:pPr lvl="0" marL="395111" indent="-395111" algn="l">
-              <a:lnSpc>
-                <a:spcPct val="150000"/>
-              </a:lnSpc>
-              <a:buSzPct val="75000"/>
-              <a:buChar char="•"/>
-              <a:defRPr sz="1800"/>
-            </a:pPr>
-            <a:r>
-              <a:rPr sz="3200"/>
-              <a:t>For each product scores are normalized to the first year average score</a:t>
-            </a:r>
-            <a:endParaRPr sz="3200"/>
-          </a:p>
-          <a:p>
-            <a:pPr lvl="0" marL="395111" indent="-395111" algn="l">
-              <a:lnSpc>
-                <a:spcPct val="150000"/>
-              </a:lnSpc>
-              <a:buSzPct val="75000"/>
-              <a:buChar char="•"/>
-              <a:defRPr sz="1800"/>
-            </a:pPr>
-            <a:r>
-              <a:rPr sz="3200"/>
-              <a:t>Normalized scores are average per year after a product’s first review</a:t>
-            </a:r>
-            <a:endParaRPr sz="3200"/>
-          </a:p>
-          <a:p>
-            <a:pPr lvl="0" marL="395111" indent="-395111" algn="l">
-              <a:lnSpc>
-                <a:spcPct val="150000"/>
-              </a:lnSpc>
-              <a:buSzPct val="75000"/>
-              <a:buChar char="•"/>
-              <a:defRPr sz="1800"/>
-            </a:pPr>
-            <a:r>
-              <a:rPr sz="3200"/>
-              <a:t>Products with less than 5 years of reviews and 3 reviews per year are ignored</a:t>
-            </a:r>
-          </a:p>
-        </p:txBody>
-      </p:sp>
     </p:spTree>
   </p:cSld>
   <p:clrMapOvr>
@@ -4674,7 +4663,7 @@
             </a:pPr>
             <a:r>
               <a:rPr sz="2890"/>
-              <a:t> Users</a:t>
+              <a:t> Users/Reviews</a:t>
             </a:r>
             <a:endParaRPr sz="2890"/>
           </a:p>
@@ -4722,7 +4711,7 @@
       </p:grpSpPr>
       <p:sp>
         <p:nvSpPr>
-          <p:cNvPr id="124" name="Shape 124"/>
+          <p:cNvPr id="125" name="Shape 125"/>
           <p:cNvSpPr/>
           <p:nvPr>
             <p:ph type="title"/>
@@ -4750,38 +4739,107 @@
             </a:pPr>
             <a:r>
               <a:rPr sz="7280"/>
-              <a:t>Reviews Decay</a:t>
+              <a:t>Review Scores Decay</a:t>
             </a:r>
           </a:p>
         </p:txBody>
       </p:sp>
-      <p:pic>
-        <p:nvPicPr>
-          <p:cNvPr id="125" name="review_decay_data.pdf"/>
-          <p:cNvPicPr/>
-          <p:nvPr/>
-        </p:nvPicPr>
-        <p:blipFill>
-          <a:blip r:embed="rId2">
-            <a:extLst/>
-          </a:blip>
-          <a:stretch>
-            <a:fillRect/>
-          </a:stretch>
-        </p:blipFill>
-        <p:spPr>
-          <a:xfrm>
-            <a:off x="2470067" y="1568367"/>
-            <a:ext cx="8064666" cy="8064666"/>
-          </a:xfrm>
-          <a:prstGeom prst="rect">
-            <a:avLst/>
-          </a:prstGeom>
-          <a:ln w="12700">
-            <a:miter lim="400000"/>
-          </a:ln>
-        </p:spPr>
-      </p:pic>
+      <p:sp>
+        <p:nvSpPr>
+          <p:cNvPr id="126" name="Shape 126"/>
+          <p:cNvSpPr/>
+          <p:nvPr>
+            <p:ph type="body" idx="1"/>
+          </p:nvPr>
+        </p:nvSpPr>
+        <p:spPr>
+          <a:xfrm>
+            <a:off x="546100" y="2587178"/>
+            <a:ext cx="9784557" cy="6027044"/>
+          </a:xfrm>
+          <a:prstGeom prst="rect">
+            <a:avLst/>
+          </a:prstGeom>
+        </p:spPr>
+        <p:txBody>
+          <a:bodyPr/>
+          <a:lstStyle/>
+          <a:p>
+            <a:pPr lvl="0" marL="359551" indent="-359551" algn="l" defTabSz="531622">
+              <a:lnSpc>
+                <a:spcPct val="150000"/>
+              </a:lnSpc>
+              <a:buSzPct val="75000"/>
+              <a:buChar char="•"/>
+              <a:defRPr sz="1800"/>
+            </a:pPr>
+            <a:r>
+              <a:rPr sz="2912"/>
+              <a:t>Compute the average decay of review scores over the years</a:t>
+            </a:r>
+            <a:endParaRPr sz="2912"/>
+          </a:p>
+          <a:p>
+            <a:pPr lvl="0" marL="359551" indent="-359551" algn="l" defTabSz="531622">
+              <a:lnSpc>
+                <a:spcPct val="150000"/>
+              </a:lnSpc>
+              <a:buSzPct val="75000"/>
+              <a:buChar char="•"/>
+              <a:defRPr sz="1800"/>
+            </a:pPr>
+            <a:r>
+              <a:rPr sz="2912"/>
+              <a:t>For each product scores are normalized to the first year average score</a:t>
+            </a:r>
+            <a:endParaRPr sz="2912"/>
+          </a:p>
+          <a:p>
+            <a:pPr lvl="0" marL="359551" indent="-359551" algn="l" defTabSz="531622">
+              <a:lnSpc>
+                <a:spcPct val="150000"/>
+              </a:lnSpc>
+              <a:buSzPct val="75000"/>
+              <a:buChar char="•"/>
+              <a:defRPr sz="1800"/>
+            </a:pPr>
+            <a:r>
+              <a:rPr sz="2912"/>
+              <a:t>Normalized scores are averaged per year after a product’s first review</a:t>
+            </a:r>
+            <a:endParaRPr sz="2912"/>
+          </a:p>
+          <a:p>
+            <a:pPr lvl="0" marL="359551" indent="-359551" algn="l" defTabSz="531622">
+              <a:lnSpc>
+                <a:spcPct val="150000"/>
+              </a:lnSpc>
+              <a:buSzPct val="75000"/>
+              <a:buChar char="•"/>
+              <a:defRPr sz="1800"/>
+            </a:pPr>
+            <a:r>
+              <a:rPr sz="2912"/>
+              <a:t>Products with less than 5 years of reviews and 3 reviews per year are ignored</a:t>
+            </a:r>
+            <a:endParaRPr sz="2912"/>
+          </a:p>
+          <a:p>
+            <a:pPr lvl="0" marL="359551" indent="-359551" algn="l" defTabSz="531622">
+              <a:lnSpc>
+                <a:spcPct val="150000"/>
+              </a:lnSpc>
+              <a:buSzPct val="75000"/>
+              <a:buChar char="•"/>
+              <a:defRPr sz="1800"/>
+            </a:pPr>
+            <a:r>
+              <a:rPr sz="2912"/>
+              <a:t>-&gt; 28976 products</a:t>
+            </a:r>
+          </a:p>
+        </p:txBody>
+      </p:sp>
     </p:spTree>
   </p:cSld>
   <p:clrMapOvr>
@@ -4810,7 +4868,7 @@
       </p:grpSpPr>
       <p:sp>
         <p:nvSpPr>
-          <p:cNvPr id="127" name="Shape 127"/>
+          <p:cNvPr id="128" name="Shape 128"/>
           <p:cNvSpPr/>
           <p:nvPr>
             <p:ph type="title"/>
@@ -4838,107 +4896,38 @@
             </a:pPr>
             <a:r>
               <a:rPr sz="7280"/>
-              <a:t>Reviews Curve</a:t>
+              <a:t>Review Scores Decay</a:t>
             </a:r>
           </a:p>
         </p:txBody>
       </p:sp>
-      <p:sp>
-        <p:nvSpPr>
-          <p:cNvPr id="128" name="Shape 128"/>
-          <p:cNvSpPr/>
-          <p:nvPr>
-            <p:ph type="body" idx="1"/>
-          </p:nvPr>
-        </p:nvSpPr>
-        <p:spPr>
-          <a:xfrm>
-            <a:off x="546100" y="2587178"/>
-            <a:ext cx="9784557" cy="6027044"/>
-          </a:xfrm>
-          <a:prstGeom prst="rect">
-            <a:avLst/>
-          </a:prstGeom>
-        </p:spPr>
-        <p:txBody>
-          <a:bodyPr/>
-          <a:lstStyle/>
-          <a:p>
-            <a:pPr lvl="0" marL="395111" indent="-395111" algn="l">
-              <a:lnSpc>
-                <a:spcPct val="150000"/>
-              </a:lnSpc>
-              <a:buSzPct val="75000"/>
-              <a:buChar char="•"/>
-              <a:defRPr sz="1800"/>
-            </a:pPr>
-            <a:r>
-              <a:rPr sz="3200"/>
-              <a:t>Compute reviews clustering throughout a product’s life — should follow curve of adoption</a:t>
-            </a:r>
-            <a:endParaRPr sz="3200"/>
-          </a:p>
-          <a:p>
-            <a:pPr lvl="0" marL="395111" indent="-395111" algn="l">
-              <a:lnSpc>
-                <a:spcPct val="150000"/>
-              </a:lnSpc>
-              <a:buSzPct val="75000"/>
-              <a:buChar char="•"/>
-              <a:defRPr sz="1800"/>
-            </a:pPr>
-            <a:r>
-              <a:rPr sz="3200"/>
-              <a:t>For each product # of reviews is normalized</a:t>
-            </a:r>
-            <a:endParaRPr sz="3200"/>
-          </a:p>
-          <a:p>
-            <a:pPr lvl="0" marL="395111" indent="-395111" algn="l">
-              <a:lnSpc>
-                <a:spcPct val="150000"/>
-              </a:lnSpc>
-              <a:buSzPct val="75000"/>
-              <a:buChar char="•"/>
-              <a:defRPr sz="1800"/>
-            </a:pPr>
-            <a:r>
-              <a:rPr sz="3200"/>
-              <a:t># of reviews is averaged per year after a product’s first review</a:t>
-            </a:r>
-            <a:endParaRPr sz="3200"/>
-          </a:p>
-          <a:p>
-            <a:pPr lvl="0" marL="395111" indent="-395111" algn="l">
-              <a:lnSpc>
-                <a:spcPct val="150000"/>
-              </a:lnSpc>
-              <a:buSzPct val="75000"/>
-              <a:buChar char="•"/>
-              <a:defRPr sz="1800"/>
-            </a:pPr>
-            <a:r>
-              <a:rPr sz="3200"/>
-              <a:t>Only “dead” products with no “holes” and at least 3 reviews per year considered</a:t>
-            </a:r>
-            <a:endParaRPr sz="3200"/>
-          </a:p>
-          <a:p>
-            <a:pPr lvl="0" marL="395111" indent="-395111" algn="l">
-              <a:lnSpc>
-                <a:spcPct val="150000"/>
-              </a:lnSpc>
-              <a:buSzPct val="75000"/>
-              <a:buChar char="•"/>
-              <a:defRPr sz="1800"/>
-            </a:pPr>
-            <a:r>
-              <a:rPr sz="3200"/>
-              <a:t>-&gt; 136 products</a:t>
-            </a:r>
-          </a:p>
-        </p:txBody>
-      </p:sp>
+      <p:pic>
+        <p:nvPicPr>
+          <p:cNvPr id="129" name="review_decay_data.pdf"/>
+          <p:cNvPicPr/>
+          <p:nvPr/>
+        </p:nvPicPr>
+        <p:blipFill>
+          <a:blip r:embed="rId2">
+            <a:extLst/>
+          </a:blip>
+          <a:stretch>
+            <a:fillRect/>
+          </a:stretch>
+        </p:blipFill>
+        <p:spPr>
+          <a:xfrm>
+            <a:off x="2470067" y="1568367"/>
+            <a:ext cx="8064666" cy="8064666"/>
+          </a:xfrm>
+          <a:prstGeom prst="rect">
+            <a:avLst/>
+          </a:prstGeom>
+          <a:ln w="12700">
+            <a:miter lim="400000"/>
+          </a:ln>
+        </p:spPr>
+      </p:pic>
     </p:spTree>
   </p:cSld>
   <p:clrMapOvr>
@@ -4967,7 +4956,7 @@
       </p:grpSpPr>
       <p:sp>
         <p:nvSpPr>
-          <p:cNvPr id="130" name="Shape 130"/>
+          <p:cNvPr id="131" name="Shape 131"/>
           <p:cNvSpPr/>
           <p:nvPr>
             <p:ph type="title"/>
@@ -5000,33 +4989,102 @@
           </a:p>
         </p:txBody>
       </p:sp>
-      <p:pic>
-        <p:nvPicPr>
-          <p:cNvPr id="131" name="review_cluster_data.pdf"/>
-          <p:cNvPicPr/>
-          <p:nvPr/>
-        </p:nvPicPr>
-        <p:blipFill>
-          <a:blip r:embed="rId2">
-            <a:extLst/>
-          </a:blip>
-          <a:stretch>
-            <a:fillRect/>
-          </a:stretch>
-        </p:blipFill>
-        <p:spPr>
-          <a:xfrm>
-            <a:off x="2664138" y="1762438"/>
-            <a:ext cx="7676524" cy="7676524"/>
-          </a:xfrm>
-          <a:prstGeom prst="rect">
-            <a:avLst/>
-          </a:prstGeom>
-          <a:ln w="12700">
-            <a:miter lim="400000"/>
-          </a:ln>
-        </p:spPr>
-      </p:pic>
+      <p:sp>
+        <p:nvSpPr>
+          <p:cNvPr id="132" name="Shape 132"/>
+          <p:cNvSpPr/>
+          <p:nvPr>
+            <p:ph type="body" idx="1"/>
+          </p:nvPr>
+        </p:nvSpPr>
+        <p:spPr>
+          <a:xfrm>
+            <a:off x="546100" y="2587178"/>
+            <a:ext cx="9784557" cy="6027044"/>
+          </a:xfrm>
+          <a:prstGeom prst="rect">
+            <a:avLst/>
+          </a:prstGeom>
+        </p:spPr>
+        <p:txBody>
+          <a:bodyPr/>
+          <a:lstStyle/>
+          <a:p>
+            <a:pPr lvl="0" marL="395111" indent="-395111" algn="l">
+              <a:lnSpc>
+                <a:spcPct val="150000"/>
+              </a:lnSpc>
+              <a:buSzPct val="75000"/>
+              <a:buChar char="•"/>
+              <a:defRPr sz="1800"/>
+            </a:pPr>
+            <a:r>
+              <a:rPr sz="3200"/>
+              <a:t>Compute reviews clustering throughout a product’s life — should follow curve of adoption</a:t>
+            </a:r>
+            <a:endParaRPr sz="3200"/>
+          </a:p>
+          <a:p>
+            <a:pPr lvl="0" marL="395111" indent="-395111" algn="l">
+              <a:lnSpc>
+                <a:spcPct val="150000"/>
+              </a:lnSpc>
+              <a:buSzPct val="75000"/>
+              <a:buChar char="•"/>
+              <a:defRPr sz="1800"/>
+            </a:pPr>
+            <a:r>
+              <a:rPr sz="3200"/>
+              <a:t>For each product # of reviews is normalized</a:t>
+            </a:r>
+            <a:endParaRPr sz="3200"/>
+          </a:p>
+          <a:p>
+            <a:pPr lvl="0" marL="395111" indent="-395111" algn="l">
+              <a:lnSpc>
+                <a:spcPct val="150000"/>
+              </a:lnSpc>
+              <a:buSzPct val="75000"/>
+              <a:buChar char="•"/>
+              <a:defRPr sz="1800"/>
+            </a:pPr>
+            <a:r>
+              <a:rPr sz="3200"/>
+              <a:t># of reviews is averaged per year after a product’s first review</a:t>
+            </a:r>
+            <a:endParaRPr sz="3200"/>
+          </a:p>
+          <a:p>
+            <a:pPr lvl="0" marL="395111" indent="-395111" algn="l">
+              <a:lnSpc>
+                <a:spcPct val="150000"/>
+              </a:lnSpc>
+              <a:buSzPct val="75000"/>
+              <a:buChar char="•"/>
+              <a:defRPr sz="1800"/>
+            </a:pPr>
+            <a:r>
+              <a:rPr sz="3200"/>
+              <a:t>Only “dead” products with no “holes” and at least 3 reviews per year considered</a:t>
+            </a:r>
+            <a:endParaRPr sz="3200"/>
+          </a:p>
+          <a:p>
+            <a:pPr lvl="0" marL="395111" indent="-395111" algn="l">
+              <a:lnSpc>
+                <a:spcPct val="150000"/>
+              </a:lnSpc>
+              <a:buSzPct val="75000"/>
+              <a:buChar char="•"/>
+              <a:defRPr sz="1800"/>
+            </a:pPr>
+            <a:r>
+              <a:rPr sz="3200"/>
+              <a:t>-&gt; 136 products</a:t>
+            </a:r>
+          </a:p>
+        </p:txBody>
+      </p:sp>
     </p:spTree>
   </p:cSld>
   <p:clrMapOvr>
@@ -5055,7 +5113,95 @@
       </p:grpSpPr>
       <p:sp>
         <p:nvSpPr>
-          <p:cNvPr id="133" name="Shape 133"/>
+          <p:cNvPr id="134" name="Shape 134"/>
+          <p:cNvSpPr/>
+          <p:nvPr>
+            <p:ph type="title"/>
+          </p:nvPr>
+        </p:nvSpPr>
+        <p:spPr>
+          <a:xfrm>
+            <a:off x="1270000" y="546100"/>
+            <a:ext cx="10464800" cy="1220838"/>
+          </a:xfrm>
+          <a:prstGeom prst="rect">
+            <a:avLst/>
+          </a:prstGeom>
+        </p:spPr>
+        <p:txBody>
+          <a:bodyPr/>
+          <a:lstStyle>
+            <a:lvl1pPr defTabSz="531622">
+              <a:defRPr sz="7280"/>
+            </a:lvl1pPr>
+          </a:lstStyle>
+          <a:p>
+            <a:pPr lvl="0">
+              <a:defRPr sz="1800"/>
+            </a:pPr>
+            <a:r>
+              <a:rPr sz="7280"/>
+              <a:t>Reviews Curve</a:t>
+            </a:r>
+          </a:p>
+        </p:txBody>
+      </p:sp>
+      <p:pic>
+        <p:nvPicPr>
+          <p:cNvPr id="135" name="review_cluster_data.pdf"/>
+          <p:cNvPicPr/>
+          <p:nvPr/>
+        </p:nvPicPr>
+        <p:blipFill>
+          <a:blip r:embed="rId2">
+            <a:extLst/>
+          </a:blip>
+          <a:stretch>
+            <a:fillRect/>
+          </a:stretch>
+        </p:blipFill>
+        <p:spPr>
+          <a:xfrm>
+            <a:off x="2664138" y="1762438"/>
+            <a:ext cx="7676524" cy="7676524"/>
+          </a:xfrm>
+          <a:prstGeom prst="rect">
+            <a:avLst/>
+          </a:prstGeom>
+          <a:ln w="12700">
+            <a:miter lim="400000"/>
+          </a:ln>
+        </p:spPr>
+      </p:pic>
+    </p:spTree>
+  </p:cSld>
+  <p:clrMapOvr>
+    <a:masterClrMapping/>
+  </p:clrMapOvr>
+  <p:transition spd="med" advClick="1"/>
+</p:sld>
+</file>
+
+<file path=ppt/slides/slide24.xml><?xml version="1.0" encoding="utf-8"?>
+<p:sld xmlns:a="http://schemas.openxmlformats.org/drawingml/2006/main" xmlns:r="http://schemas.openxmlformats.org/officeDocument/2006/relationships" xmlns:p="http://schemas.openxmlformats.org/presentationml/2006/main" showMasterSp="1" showMasterPhAnim="1">
+  <p:cSld>
+    <p:spTree>
+      <p:nvGrpSpPr>
+        <p:cNvPr id="1" name=""/>
+        <p:cNvGrpSpPr/>
+        <p:nvPr/>
+      </p:nvGrpSpPr>
+      <p:grpSpPr>
+        <a:xfrm>
+          <a:off x="0" y="0"/>
+          <a:ext cx="0" cy="0"/>
+          <a:chOff x="0" y="0"/>
+          <a:chExt cx="0" cy="0"/>
+        </a:xfrm>
+      </p:grpSpPr>
+      <p:sp>
+        <p:nvSpPr>
+          <p:cNvPr id="137" name="Shape 137"/>
           <p:cNvSpPr/>
           <p:nvPr>
             <p:ph type="title"/>
@@ -5090,7 +5236,7 @@
       </p:sp>
       <p:graphicFrame>
         <p:nvGraphicFramePr>
-          <p:cNvPr id="134" name="Table 134"/>
+          <p:cNvPr id="138" name="Table 138"/>
           <p:cNvGraphicFramePr/>
           <p:nvPr/>
         </p:nvGraphicFramePr>
@@ -5329,135 +5475,6 @@
 </p:sld>
 </file>
 
-<file path=ppt/slides/slide24.xml><?xml version="1.0" encoding="utf-8"?>
-<p:sld xmlns:a="http://schemas.openxmlformats.org/drawingml/2006/main" xmlns:r="http://schemas.openxmlformats.org/officeDocument/2006/relationships" xmlns:p="http://schemas.openxmlformats.org/presentationml/2006/main" showMasterSp="1" showMasterPhAnim="1">
-  <p:cSld>
-    <p:spTree>
-      <p:nvGrpSpPr>
-        <p:cNvPr id="1" name=""/>
-        <p:cNvGrpSpPr/>
-        <p:nvPr/>
-      </p:nvGrpSpPr>
-      <p:grpSpPr>
-        <a:xfrm>
-          <a:off x="0" y="0"/>
-          <a:ext cx="0" cy="0"/>
-          <a:chOff x="0" y="0"/>
-          <a:chExt cx="0" cy="0"/>
-        </a:xfrm>
-      </p:grpSpPr>
-      <p:sp>
-        <p:nvSpPr>
-          <p:cNvPr id="136" name="Shape 136"/>
-          <p:cNvSpPr/>
-          <p:nvPr>
-            <p:ph type="title"/>
-          </p:nvPr>
-        </p:nvSpPr>
-        <p:spPr>
-          <a:xfrm>
-            <a:off x="1270000" y="546100"/>
-            <a:ext cx="10464800" cy="1220838"/>
-          </a:xfrm>
-          <a:prstGeom prst="rect">
-            <a:avLst/>
-          </a:prstGeom>
-        </p:spPr>
-        <p:txBody>
-          <a:bodyPr/>
-          <a:lstStyle>
-            <a:lvl1pPr defTabSz="531622">
-              <a:defRPr sz="7280"/>
-            </a:lvl1pPr>
-          </a:lstStyle>
-          <a:p>
-            <a:pPr lvl="0">
-              <a:defRPr sz="1800"/>
-            </a:pPr>
-            <a:r>
-              <a:rPr sz="7280"/>
-              <a:t>Users Reviews</a:t>
-            </a:r>
-          </a:p>
-        </p:txBody>
-      </p:sp>
-      <p:sp>
-        <p:nvSpPr>
-          <p:cNvPr id="137" name="Shape 137"/>
-          <p:cNvSpPr/>
-          <p:nvPr/>
-        </p:nvSpPr>
-        <p:spPr>
-          <a:xfrm>
-            <a:off x="1021596" y="8367183"/>
-            <a:ext cx="9852204" cy="647701"/>
-          </a:xfrm>
-          <a:prstGeom prst="rect">
-            <a:avLst/>
-          </a:prstGeom>
-          <a:ln w="12700">
-            <a:miter lim="400000"/>
-          </a:ln>
-          <a:extLst>
-            <a:ext uri="{C572A759-6A51-4108-AA02-DFA0A04FC94B}">
-              <ma14:wrappingTextBoxFlag xmlns:ma14="http://schemas.microsoft.com/office/mac/drawingml/2011/main" val="1"/>
-            </a:ext>
-          </a:extLst>
-        </p:spPr>
-        <p:txBody>
-          <a:bodyPr wrap="none" lIns="50800" tIns="50800" rIns="50800" bIns="50800" anchor="ctr">
-            <a:spAutoFit/>
-          </a:bodyPr>
-          <a:lstStyle>
-            <a:lvl1pPr algn="l"/>
-          </a:lstStyle>
-          <a:p>
-            <a:pPr lvl="0">
-              <a:defRPr sz="1800"/>
-            </a:pPr>
-            <a:r>
-              <a:rPr sz="3600"/>
-              <a:t>&gt; 80% of users do not review more than 5 times</a:t>
-            </a:r>
-          </a:p>
-        </p:txBody>
-      </p:sp>
-      <p:pic>
-        <p:nvPicPr>
-          <p:cNvPr id="138" name="cdf_reviews.pdf"/>
-          <p:cNvPicPr/>
-          <p:nvPr/>
-        </p:nvPicPr>
-        <p:blipFill>
-          <a:blip r:embed="rId2">
-            <a:extLst/>
-          </a:blip>
-          <a:stretch>
-            <a:fillRect/>
-          </a:stretch>
-        </p:blipFill>
-        <p:spPr>
-          <a:xfrm>
-            <a:off x="2847544" y="1540933"/>
-            <a:ext cx="6990723" cy="6990723"/>
-          </a:xfrm>
-          <a:prstGeom prst="rect">
-            <a:avLst/>
-          </a:prstGeom>
-          <a:ln w="12700">
-            <a:miter lim="400000"/>
-          </a:ln>
-        </p:spPr>
-      </p:pic>
-    </p:spTree>
-  </p:cSld>
-  <p:clrMapOvr>
-    <a:masterClrMapping/>
-  </p:clrMapOvr>
-  <p:transition spd="med" advClick="1"/>
-</p:sld>
-</file>
-
 <file path=ppt/slides/slide25.xml><?xml version="1.0" encoding="utf-8"?>
 <p:sld xmlns:a="http://schemas.openxmlformats.org/drawingml/2006/main" xmlns:r="http://schemas.openxmlformats.org/officeDocument/2006/relationships" xmlns:p="http://schemas.openxmlformats.org/presentationml/2006/main" showMasterSp="1" showMasterPhAnim="1">
   <p:cSld>
@@ -5765,8 +5782,8 @@
         <p:txBody>
           <a:bodyPr/>
           <a:lstStyle>
-            <a:lvl1pPr defTabSz="531622">
-              <a:defRPr sz="7280"/>
+            <a:lvl1pPr defTabSz="414781">
+              <a:defRPr sz="5680"/>
             </a:lvl1pPr>
           </a:lstStyle>
           <a:p>
@@ -5774,39 +5791,63 @@
               <a:defRPr sz="1800"/>
             </a:pPr>
             <a:r>
-              <a:rPr sz="7280"/>
-              <a:t>Users Life Expectancy</a:t>
+              <a:rPr sz="5680"/>
+              <a:t>Are Reviewers (1 Cat.) Experts?</a:t>
             </a:r>
           </a:p>
         </p:txBody>
       </p:sp>
-      <p:pic>
-        <p:nvPicPr>
-          <p:cNvPr id="149" name="users_lifetime.pdf"/>
-          <p:cNvPicPr/>
-          <p:nvPr/>
-        </p:nvPicPr>
-        <p:blipFill>
-          <a:blip r:embed="rId2">
-            <a:extLst/>
-          </a:blip>
-          <a:stretch>
-            <a:fillRect/>
-          </a:stretch>
-        </p:blipFill>
-        <p:spPr>
-          <a:xfrm>
-            <a:off x="2696649" y="1794949"/>
-            <a:ext cx="7611502" cy="7611502"/>
-          </a:xfrm>
-          <a:prstGeom prst="rect">
-            <a:avLst/>
-          </a:prstGeom>
-          <a:ln w="12700">
-            <a:miter lim="400000"/>
-          </a:ln>
-        </p:spPr>
-      </p:pic>
+      <p:sp>
+        <p:nvSpPr>
+          <p:cNvPr id="149" name="Shape 149"/>
+          <p:cNvSpPr/>
+          <p:nvPr>
+            <p:ph type="body" idx="1"/>
+          </p:nvPr>
+        </p:nvSpPr>
+        <p:spPr>
+          <a:xfrm>
+            <a:off x="546100" y="2587178"/>
+            <a:ext cx="9784557" cy="6027044"/>
+          </a:xfrm>
+          <a:prstGeom prst="rect">
+            <a:avLst/>
+          </a:prstGeom>
+        </p:spPr>
+        <p:txBody>
+          <a:bodyPr/>
+          <a:lstStyle/>
+          <a:p>
+            <a:pPr lvl="0" marL="395111" indent="-395111" algn="l">
+              <a:lnSpc>
+                <a:spcPct val="150000"/>
+              </a:lnSpc>
+              <a:buSzPct val="75000"/>
+              <a:buChar char="•"/>
+              <a:defRPr sz="1800"/>
+            </a:pPr>
+            <a:r>
+              <a:rPr sz="3200"/>
+              <a:t>Check how many reviews are focused on a single category for each reviewer</a:t>
+            </a:r>
+            <a:endParaRPr sz="3200"/>
+          </a:p>
+          <a:p>
+            <a:pPr lvl="0" marL="395111" indent="-395111" algn="l">
+              <a:lnSpc>
+                <a:spcPct val="150000"/>
+              </a:lnSpc>
+              <a:buSzPct val="75000"/>
+              <a:buChar char="•"/>
+              <a:defRPr sz="1800"/>
+            </a:pPr>
+            <a:r>
+              <a:rPr sz="3200"/>
+              <a:t>Ignore reviewers with less than 5 reviews</a:t>
+            </a:r>
+          </a:p>
+        </p:txBody>
+      </p:sp>
     </p:spTree>
   </p:cSld>
   <p:clrMapOvr>
@@ -5853,8 +5894,8 @@
         <p:txBody>
           <a:bodyPr/>
           <a:lstStyle>
-            <a:lvl1pPr defTabSz="467359">
-              <a:defRPr sz="6400"/>
+            <a:lvl1pPr defTabSz="414781">
+              <a:defRPr sz="5680"/>
             </a:lvl1pPr>
           </a:lstStyle>
           <a:p>
@@ -5862,59 +5903,15 @@
               <a:defRPr sz="1800"/>
             </a:pPr>
             <a:r>
-              <a:rPr sz="6400"/>
-              <a:t>Reviews Size vs Helpfulness</a:t>
-            </a:r>
-          </a:p>
-        </p:txBody>
-      </p:sp>
-      <p:sp>
-        <p:nvSpPr>
-          <p:cNvPr id="152" name="Shape 152"/>
-          <p:cNvSpPr/>
-          <p:nvPr/>
-        </p:nvSpPr>
-        <p:spPr>
-          <a:xfrm>
-            <a:off x="767596" y="8907412"/>
-            <a:ext cx="6587440" cy="647701"/>
-          </a:xfrm>
-          <a:prstGeom prst="rect">
-            <a:avLst/>
-          </a:prstGeom>
-          <a:ln w="12700">
-            <a:miter lim="400000"/>
-          </a:ln>
-          <a:extLst>
-            <a:ext uri="{C572A759-6A51-4108-AA02-DFA0A04FC94B}">
-              <ma14:wrappingTextBoxFlag xmlns:ma14="http://schemas.microsoft.com/office/mac/drawingml/2011/main" val="1"/>
-            </a:ext>
-          </a:extLst>
-        </p:spPr>
-        <p:txBody>
-          <a:bodyPr wrap="none" lIns="50800" tIns="50800" rIns="50800" bIns="50800" anchor="ctr">
-            <a:spAutoFit/>
-          </a:bodyPr>
-          <a:lstStyle>
-            <a:lvl1pPr marL="444500" indent="-444500" algn="l">
-              <a:buSzPct val="75000"/>
-              <a:buChar char="-"/>
-            </a:lvl1pPr>
-          </a:lstStyle>
-          <a:p>
-            <a:pPr lvl="0">
-              <a:defRPr sz="1800"/>
-            </a:pPr>
-            <a:r>
-              <a:rPr sz="3600"/>
-              <a:t>Correlation coefficient = 0.24 </a:t>
+              <a:rPr sz="5680"/>
+              <a:t>Are Reviewers (1 Cat.) Experts?</a:t>
             </a:r>
           </a:p>
         </p:txBody>
       </p:sp>
       <p:pic>
         <p:nvPicPr>
-          <p:cNvPr id="153" name="pasted-image.png"/>
+          <p:cNvPr id="152" name="reviews_expertise.pdf"/>
           <p:cNvPicPr/>
           <p:nvPr/>
         </p:nvPicPr>
@@ -5928,8 +5925,8 @@
         </p:blipFill>
         <p:spPr>
           <a:xfrm>
-            <a:off x="2866925" y="1723787"/>
-            <a:ext cx="7270950" cy="6988744"/>
+            <a:off x="2578100" y="1811866"/>
+            <a:ext cx="7848601" cy="7848601"/>
           </a:xfrm>
           <a:prstGeom prst="rect">
             <a:avLst/>
@@ -5967,7 +5964,7 @@
       </p:grpSpPr>
       <p:sp>
         <p:nvSpPr>
-          <p:cNvPr id="155" name="Shape 155"/>
+          <p:cNvPr id="154" name="Shape 154"/>
           <p:cNvSpPr/>
           <p:nvPr>
             <p:ph type="title"/>
@@ -5985,8 +5982,8 @@
         <p:txBody>
           <a:bodyPr/>
           <a:lstStyle>
-            <a:lvl1pPr defTabSz="362204">
-              <a:defRPr sz="4960"/>
+            <a:lvl1pPr defTabSz="531622">
+              <a:defRPr sz="7280"/>
             </a:lvl1pPr>
           </a:lstStyle>
           <a:p>
@@ -5994,59 +5991,15 @@
               <a:defRPr sz="1800"/>
             </a:pPr>
             <a:r>
-              <a:rPr sz="4960"/>
-              <a:t>Reviewer Experience vs Helpfulness</a:t>
-            </a:r>
-          </a:p>
-        </p:txBody>
-      </p:sp>
-      <p:sp>
-        <p:nvSpPr>
-          <p:cNvPr id="156" name="Shape 156"/>
-          <p:cNvSpPr/>
-          <p:nvPr/>
-        </p:nvSpPr>
-        <p:spPr>
-          <a:xfrm>
-            <a:off x="767596" y="8907412"/>
-            <a:ext cx="6866789" cy="647701"/>
-          </a:xfrm>
-          <a:prstGeom prst="rect">
-            <a:avLst/>
-          </a:prstGeom>
-          <a:ln w="12700">
-            <a:miter lim="400000"/>
-          </a:ln>
-          <a:extLst>
-            <a:ext uri="{C572A759-6A51-4108-AA02-DFA0A04FC94B}">
-              <ma14:wrappingTextBoxFlag xmlns:ma14="http://schemas.microsoft.com/office/mac/drawingml/2011/main" val="1"/>
-            </a:ext>
-          </a:extLst>
-        </p:spPr>
-        <p:txBody>
-          <a:bodyPr wrap="none" lIns="50800" tIns="50800" rIns="50800" bIns="50800" anchor="ctr">
-            <a:spAutoFit/>
-          </a:bodyPr>
-          <a:lstStyle>
-            <a:lvl1pPr marL="444500" indent="-444500" algn="l">
-              <a:buSzPct val="75000"/>
-              <a:buChar char="-"/>
-            </a:lvl1pPr>
-          </a:lstStyle>
-          <a:p>
-            <a:pPr lvl="0">
-              <a:defRPr sz="1800"/>
-            </a:pPr>
-            <a:r>
-              <a:rPr sz="3600"/>
-              <a:t>Correlation coefficient = -0.041</a:t>
+              <a:rPr sz="7280"/>
+              <a:t>Users Life Expectancy</a:t>
             </a:r>
           </a:p>
         </p:txBody>
       </p:sp>
       <p:pic>
         <p:nvPicPr>
-          <p:cNvPr id="157" name="pasted-image.png"/>
+          <p:cNvPr id="155" name="users_lifetime.pdf"/>
           <p:cNvPicPr/>
           <p:nvPr/>
         </p:nvPicPr>
@@ -6060,8 +6013,8 @@
         </p:blipFill>
         <p:spPr>
           <a:xfrm>
-            <a:off x="3069005" y="1977178"/>
-            <a:ext cx="6866790" cy="6719994"/>
+            <a:off x="2696649" y="1794949"/>
+            <a:ext cx="7611502" cy="7611502"/>
           </a:xfrm>
           <a:prstGeom prst="rect">
             <a:avLst/>
@@ -6143,7 +6096,7 @@
         <p:spPr>
           <a:xfrm>
             <a:off x="546100" y="2587178"/>
-            <a:ext cx="10464800" cy="6280597"/>
+            <a:ext cx="11912601" cy="7044383"/>
           </a:xfrm>
           <a:prstGeom prst="rect">
             <a:avLst/>
@@ -6155,7 +6108,7 @@
           <a:p>
             <a:pPr lvl="0" marL="395111" indent="-395111" algn="l">
               <a:lnSpc>
-                <a:spcPct val="200000"/>
+                <a:spcPct val="150000"/>
               </a:lnSpc>
               <a:buSzPct val="75000"/>
               <a:buChar char="•"/>
@@ -6163,14 +6116,14 @@
             </a:pPr>
             <a:r>
               <a:rPr sz="3200"/>
-              <a:t>Amazon reviews 1995-2013 (18 year span)</a:t>
+              <a:t>Amazon founded in 1994</a:t>
             </a:r>
             <a:endParaRPr sz="3200"/>
           </a:p>
           <a:p>
             <a:pPr lvl="0" marL="395111" indent="-395111" algn="l">
               <a:lnSpc>
-                <a:spcPct val="200000"/>
+                <a:spcPct val="150000"/>
               </a:lnSpc>
               <a:buSzPct val="75000"/>
               <a:buChar char="•"/>
@@ -6178,14 +6131,14 @@
             </a:pPr>
             <a:r>
               <a:rPr sz="3200"/>
-              <a:t>34M reviews, 7M users, 2M products</a:t>
+              <a:t>Amazon reviews 1995-2013 (18 year span)</a:t>
             </a:r>
             <a:endParaRPr sz="3200"/>
           </a:p>
           <a:p>
             <a:pPr lvl="0" marL="395111" indent="-395111" algn="l">
               <a:lnSpc>
-                <a:spcPct val="200000"/>
+                <a:spcPct val="150000"/>
               </a:lnSpc>
               <a:buSzPct val="75000"/>
               <a:buChar char="•"/>
@@ -6193,14 +6146,14 @@
             </a:pPr>
             <a:r>
               <a:rPr sz="3200"/>
-              <a:t>35Gb of data</a:t>
+              <a:t>34M reviews, 7M users, 2M products</a:t>
             </a:r>
             <a:endParaRPr sz="3200"/>
           </a:p>
           <a:p>
             <a:pPr lvl="0" marL="395111" indent="-395111" algn="l">
               <a:lnSpc>
-                <a:spcPct val="200000"/>
+                <a:spcPct val="150000"/>
               </a:lnSpc>
               <a:buSzPct val="75000"/>
               <a:buChar char="•"/>
@@ -6208,14 +6161,14 @@
             </a:pPr>
             <a:r>
               <a:rPr sz="3200"/>
-              <a:t>Dataset is available for research purposes [1]</a:t>
+              <a:t>35Gb of uncompressed data</a:t>
             </a:r>
             <a:endParaRPr sz="3200"/>
           </a:p>
           <a:p>
             <a:pPr lvl="0" marL="395111" indent="-395111" algn="l">
               <a:lnSpc>
-                <a:spcPct val="200000"/>
+                <a:spcPct val="150000"/>
               </a:lnSpc>
               <a:buSzPct val="75000"/>
               <a:buChar char="•"/>
@@ -6223,8 +6176,34 @@
             </a:pPr>
             <a:r>
               <a:rPr sz="3200"/>
+              <a:t>Dataset is available for research purposes [1]</a:t>
+            </a:r>
+            <a:endParaRPr sz="3200"/>
+          </a:p>
+          <a:p>
+            <a:pPr lvl="0" marL="395111" indent="-395111" algn="l">
+              <a:lnSpc>
+                <a:spcPct val="150000"/>
+              </a:lnSpc>
+              <a:buSzPct val="75000"/>
+              <a:buChar char="•"/>
+              <a:defRPr sz="1800"/>
+            </a:pPr>
+            <a:r>
+              <a:rPr sz="3200"/>
               <a:t>An analysis of review text is available [2]</a:t>
             </a:r>
+            <a:endParaRPr sz="3200"/>
+          </a:p>
+          <a:p>
+            <a:pPr lvl="0" marL="395111" indent="-395111" algn="l">
+              <a:lnSpc>
+                <a:spcPct val="150000"/>
+              </a:lnSpc>
+              <a:buSzPct val="75000"/>
+              <a:buChar char="•"/>
+              <a:defRPr sz="1800"/>
+            </a:pPr>
             <a:endParaRPr sz="3200"/>
           </a:p>
           <a:p>
@@ -6309,7 +6288,7 @@
       </p:grpSpPr>
       <p:sp>
         <p:nvSpPr>
-          <p:cNvPr id="159" name="Shape 159"/>
+          <p:cNvPr id="157" name="Shape 157"/>
           <p:cNvSpPr/>
           <p:nvPr>
             <p:ph type="title"/>
@@ -6327,8 +6306,8 @@
         <p:txBody>
           <a:bodyPr/>
           <a:lstStyle>
-            <a:lvl1pPr defTabSz="531622">
-              <a:defRPr sz="7280"/>
+            <a:lvl1pPr defTabSz="467359">
+              <a:defRPr sz="6400"/>
             </a:lvl1pPr>
           </a:lstStyle>
           <a:p>
@@ -6336,15 +6315,59 @@
               <a:defRPr sz="1800"/>
             </a:pPr>
             <a:r>
-              <a:rPr sz="7280"/>
-              <a:t>Questions?</a:t>
+              <a:rPr sz="6400"/>
+              <a:t>Reviews Size vs Helpfulness</a:t>
+            </a:r>
+          </a:p>
+        </p:txBody>
+      </p:sp>
+      <p:sp>
+        <p:nvSpPr>
+          <p:cNvPr id="158" name="Shape 158"/>
+          <p:cNvSpPr/>
+          <p:nvPr/>
+        </p:nvSpPr>
+        <p:spPr>
+          <a:xfrm>
+            <a:off x="767596" y="8907412"/>
+            <a:ext cx="6587440" cy="647701"/>
+          </a:xfrm>
+          <a:prstGeom prst="rect">
+            <a:avLst/>
+          </a:prstGeom>
+          <a:ln w="12700">
+            <a:miter lim="400000"/>
+          </a:ln>
+          <a:extLst>
+            <a:ext uri="{C572A759-6A51-4108-AA02-DFA0A04FC94B}">
+              <ma14:wrappingTextBoxFlag xmlns:ma14="http://schemas.microsoft.com/office/mac/drawingml/2011/main" val="1"/>
+            </a:ext>
+          </a:extLst>
+        </p:spPr>
+        <p:txBody>
+          <a:bodyPr wrap="none" lIns="50800" tIns="50800" rIns="50800" bIns="50800" anchor="ctr">
+            <a:spAutoFit/>
+          </a:bodyPr>
+          <a:lstStyle>
+            <a:lvl1pPr marL="444500" indent="-444500" algn="l">
+              <a:buSzPct val="75000"/>
+              <a:buChar char="-"/>
+            </a:lvl1pPr>
+          </a:lstStyle>
+          <a:p>
+            <a:pPr lvl="0">
+              <a:defRPr sz="1800"/>
+            </a:pPr>
+            <a:r>
+              <a:rPr sz="3600"/>
+              <a:t>Correlation coefficient = 0.24 </a:t>
             </a:r>
           </a:p>
         </p:txBody>
       </p:sp>
       <p:pic>
         <p:nvPicPr>
-          <p:cNvPr id="160" name="pasted-image.png"/>
+          <p:cNvPr id="159" name="pasted-image.png"/>
           <p:cNvPicPr/>
           <p:nvPr/>
         </p:nvPicPr>
@@ -6358,8 +6381,8 @@
         </p:blipFill>
         <p:spPr>
           <a:xfrm>
-            <a:off x="2439132" y="2287565"/>
-            <a:ext cx="3305048" cy="2453813"/>
+            <a:off x="2866925" y="1723787"/>
+            <a:ext cx="7270950" cy="6988744"/>
           </a:xfrm>
           <a:prstGeom prst="rect">
             <a:avLst/>
@@ -6369,9 +6392,229 @@
           </a:ln>
         </p:spPr>
       </p:pic>
+    </p:spTree>
+  </p:cSld>
+  <p:clrMapOvr>
+    <a:masterClrMapping/>
+  </p:clrMapOvr>
+  <p:transition spd="med" advClick="1"/>
+</p:sld>
+</file>
+
+<file path=ppt/slides/slide31.xml><?xml version="1.0" encoding="utf-8"?>
+<p:sld xmlns:a="http://schemas.openxmlformats.org/drawingml/2006/main" xmlns:r="http://schemas.openxmlformats.org/officeDocument/2006/relationships" xmlns:p="http://schemas.openxmlformats.org/presentationml/2006/main" showMasterSp="1" showMasterPhAnim="1">
+  <p:cSld>
+    <p:spTree>
+      <p:nvGrpSpPr>
+        <p:cNvPr id="1" name=""/>
+        <p:cNvGrpSpPr/>
+        <p:nvPr/>
+      </p:nvGrpSpPr>
+      <p:grpSpPr>
+        <a:xfrm>
+          <a:off x="0" y="0"/>
+          <a:ext cx="0" cy="0"/>
+          <a:chOff x="0" y="0"/>
+          <a:chExt cx="0" cy="0"/>
+        </a:xfrm>
+      </p:grpSpPr>
+      <p:sp>
+        <p:nvSpPr>
+          <p:cNvPr id="161" name="Shape 161"/>
+          <p:cNvSpPr/>
+          <p:nvPr>
+            <p:ph type="title"/>
+          </p:nvPr>
+        </p:nvSpPr>
+        <p:spPr>
+          <a:xfrm>
+            <a:off x="1270000" y="546100"/>
+            <a:ext cx="10464800" cy="1220838"/>
+          </a:xfrm>
+          <a:prstGeom prst="rect">
+            <a:avLst/>
+          </a:prstGeom>
+        </p:spPr>
+        <p:txBody>
+          <a:bodyPr/>
+          <a:lstStyle>
+            <a:lvl1pPr defTabSz="362204">
+              <a:defRPr sz="4960"/>
+            </a:lvl1pPr>
+          </a:lstStyle>
+          <a:p>
+            <a:pPr lvl="0">
+              <a:defRPr sz="1800"/>
+            </a:pPr>
+            <a:r>
+              <a:rPr sz="4960"/>
+              <a:t>Reviewer Experience vs Helpfulness</a:t>
+            </a:r>
+          </a:p>
+        </p:txBody>
+      </p:sp>
+      <p:sp>
+        <p:nvSpPr>
+          <p:cNvPr id="162" name="Shape 162"/>
+          <p:cNvSpPr/>
+          <p:nvPr/>
+        </p:nvSpPr>
+        <p:spPr>
+          <a:xfrm>
+            <a:off x="767596" y="8907412"/>
+            <a:ext cx="6866789" cy="647701"/>
+          </a:xfrm>
+          <a:prstGeom prst="rect">
+            <a:avLst/>
+          </a:prstGeom>
+          <a:ln w="12700">
+            <a:miter lim="400000"/>
+          </a:ln>
+          <a:extLst>
+            <a:ext uri="{C572A759-6A51-4108-AA02-DFA0A04FC94B}">
+              <ma14:wrappingTextBoxFlag xmlns:ma14="http://schemas.microsoft.com/office/mac/drawingml/2011/main" val="1"/>
+            </a:ext>
+          </a:extLst>
+        </p:spPr>
+        <p:txBody>
+          <a:bodyPr wrap="none" lIns="50800" tIns="50800" rIns="50800" bIns="50800" anchor="ctr">
+            <a:spAutoFit/>
+          </a:bodyPr>
+          <a:lstStyle>
+            <a:lvl1pPr marL="444500" indent="-444500" algn="l">
+              <a:buSzPct val="75000"/>
+              <a:buChar char="-"/>
+            </a:lvl1pPr>
+          </a:lstStyle>
+          <a:p>
+            <a:pPr lvl="0">
+              <a:defRPr sz="1800"/>
+            </a:pPr>
+            <a:r>
+              <a:rPr sz="3600"/>
+              <a:t>Correlation coefficient = -0.041</a:t>
+            </a:r>
+          </a:p>
+        </p:txBody>
+      </p:sp>
       <p:pic>
         <p:nvPicPr>
-          <p:cNvPr id="161" name="pasted-image.png"/>
+          <p:cNvPr id="163" name="pasted-image.png"/>
+          <p:cNvPicPr/>
+          <p:nvPr/>
+        </p:nvPicPr>
+        <p:blipFill>
+          <a:blip r:embed="rId2">
+            <a:extLst/>
+          </a:blip>
+          <a:stretch>
+            <a:fillRect/>
+          </a:stretch>
+        </p:blipFill>
+        <p:spPr>
+          <a:xfrm>
+            <a:off x="3069005" y="1977178"/>
+            <a:ext cx="6866790" cy="6719994"/>
+          </a:xfrm>
+          <a:prstGeom prst="rect">
+            <a:avLst/>
+          </a:prstGeom>
+          <a:ln w="12700">
+            <a:miter lim="400000"/>
+          </a:ln>
+        </p:spPr>
+      </p:pic>
+    </p:spTree>
+  </p:cSld>
+  <p:clrMapOvr>
+    <a:masterClrMapping/>
+  </p:clrMapOvr>
+  <p:transition spd="med" advClick="1"/>
+</p:sld>
+</file>
+
+<file path=ppt/slides/slide32.xml><?xml version="1.0" encoding="utf-8"?>
+<p:sld xmlns:a="http://schemas.openxmlformats.org/drawingml/2006/main" xmlns:r="http://schemas.openxmlformats.org/officeDocument/2006/relationships" xmlns:p="http://schemas.openxmlformats.org/presentationml/2006/main" showMasterSp="1" showMasterPhAnim="1">
+  <p:cSld>
+    <p:spTree>
+      <p:nvGrpSpPr>
+        <p:cNvPr id="1" name=""/>
+        <p:cNvGrpSpPr/>
+        <p:nvPr/>
+      </p:nvGrpSpPr>
+      <p:grpSpPr>
+        <a:xfrm>
+          <a:off x="0" y="0"/>
+          <a:ext cx="0" cy="0"/>
+          <a:chOff x="0" y="0"/>
+          <a:chExt cx="0" cy="0"/>
+        </a:xfrm>
+      </p:grpSpPr>
+      <p:sp>
+        <p:nvSpPr>
+          <p:cNvPr id="165" name="Shape 165"/>
+          <p:cNvSpPr/>
+          <p:nvPr>
+            <p:ph type="title"/>
+          </p:nvPr>
+        </p:nvSpPr>
+        <p:spPr>
+          <a:xfrm>
+            <a:off x="1270000" y="546100"/>
+            <a:ext cx="10464800" cy="1220838"/>
+          </a:xfrm>
+          <a:prstGeom prst="rect">
+            <a:avLst/>
+          </a:prstGeom>
+        </p:spPr>
+        <p:txBody>
+          <a:bodyPr/>
+          <a:lstStyle>
+            <a:lvl1pPr defTabSz="531622">
+              <a:defRPr sz="7280"/>
+            </a:lvl1pPr>
+          </a:lstStyle>
+          <a:p>
+            <a:pPr lvl="0">
+              <a:defRPr sz="1800"/>
+            </a:pPr>
+            <a:r>
+              <a:rPr sz="7280"/>
+              <a:t>Questions?</a:t>
+            </a:r>
+          </a:p>
+        </p:txBody>
+      </p:sp>
+      <p:pic>
+        <p:nvPicPr>
+          <p:cNvPr id="166" name="pasted-image.png"/>
+          <p:cNvPicPr/>
+          <p:nvPr/>
+        </p:nvPicPr>
+        <p:blipFill>
+          <a:blip r:embed="rId2">
+            <a:extLst/>
+          </a:blip>
+          <a:stretch>
+            <a:fillRect/>
+          </a:stretch>
+        </p:blipFill>
+        <p:spPr>
+          <a:xfrm>
+            <a:off x="2439132" y="2287565"/>
+            <a:ext cx="3305048" cy="2453813"/>
+          </a:xfrm>
+          <a:prstGeom prst="rect">
+            <a:avLst/>
+          </a:prstGeom>
+          <a:ln w="12700">
+            <a:miter lim="400000"/>
+          </a:ln>
+        </p:spPr>
+      </p:pic>
+      <p:pic>
+        <p:nvPicPr>
+          <p:cNvPr id="167" name="pasted-image.png"/>
           <p:cNvPicPr/>
           <p:nvPr/>
         </p:nvPicPr>
@@ -6398,7 +6641,7 @@
       </p:pic>
       <p:pic>
         <p:nvPicPr>
-          <p:cNvPr id="162" name="pasted-image.png"/>
+          <p:cNvPr id="168" name="pasted-image.png"/>
           <p:cNvPicPr/>
           <p:nvPr/>
         </p:nvPicPr>
@@ -6425,7 +6668,7 @@
       </p:pic>
       <p:pic>
         <p:nvPicPr>
-          <p:cNvPr id="163" name="pasted-image.png"/>
+          <p:cNvPr id="169" name="pasted-image.png"/>
           <p:cNvPicPr/>
           <p:nvPr/>
         </p:nvPicPr>
@@ -6452,7 +6695,7 @@
       </p:pic>
       <p:pic>
         <p:nvPicPr>
-          <p:cNvPr id="164" name="pasted-image.png"/>
+          <p:cNvPr id="170" name="pasted-image.png"/>
           <p:cNvPicPr/>
           <p:nvPr/>
         </p:nvPicPr>
@@ -6479,7 +6722,7 @@
       </p:pic>
       <p:sp>
         <p:nvSpPr>
-          <p:cNvPr id="165" name="Shape 165"/>
+          <p:cNvPr id="171" name="Shape 171"/>
           <p:cNvSpPr/>
           <p:nvPr/>
         </p:nvSpPr>
@@ -7235,7 +7478,7 @@
             </a:pPr>
             <a:r>
               <a:rPr sz="3200"/>
-              <a:t> Code and slides available @                                                                                                  </a:t>
+              <a:t> Code, graphs and slides available @                                                                                                  </a:t>
             </a:r>
             <a:r>
               <a:rPr sz="3200" u="sng">
@@ -8698,6 +8941,21 @@
               <a:rPr sz="3200"/>
               <a:t>What are the most expensive categories?</a:t>
             </a:r>
+            <a:endParaRPr sz="3200"/>
+          </a:p>
+          <a:p>
+            <a:pPr lvl="0" marL="395111" indent="-395111" algn="l">
+              <a:lnSpc>
+                <a:spcPct val="150000"/>
+              </a:lnSpc>
+              <a:buSzPct val="75000"/>
+              <a:buChar char="•"/>
+              <a:defRPr sz="1800"/>
+            </a:pPr>
+            <a:r>
+              <a:rPr sz="3200"/>
+              <a:t>How often do users review products?</a:t>
+            </a:r>
           </a:p>
         </p:txBody>
       </p:sp>
